--- a/Building a REST API with Django.pptx
+++ b/Building a REST API with Django.pptx
@@ -108,6 +108,11 @@
       </a:defRPr>
     </a:lvl9pPr>
   </p:defaultTextStyle>
+  <p:extLst>
+    <p:ext uri="{EFAFB233-063F-42B5-8137-9DF3F51BA10A}">
+      <p15:sldGuideLst xmlns:p15="http://schemas.microsoft.com/office/powerpoint/2012/main"/>
+    </p:ext>
+  </p:extLst>
 </p:presentation>
 </file>
 
@@ -3224,7 +3229,7 @@
           <a:p>
             <a:fld id="{9184DA70-C731-4C70-880D-CCD4705E623C}" type="datetime1">
               <a:rPr lang="en-US" smtClean="0"/>
-              <a:t>8/18/2020</a:t>
+              <a:t>8/19/2020</a:t>
             </a:fld>
             <a:endParaRPr lang="en-US" dirty="0"/>
           </a:p>
@@ -3412,7 +3417,7 @@
           <a:p>
             <a:fld id="{B612A279-0833-481D-8C56-F67FD0AC6C50}" type="datetime1">
               <a:rPr lang="en-US" smtClean="0"/>
-              <a:t>8/18/2020</a:t>
+              <a:t>8/19/2020</a:t>
             </a:fld>
             <a:endParaRPr lang="en-US" dirty="0"/>
           </a:p>
@@ -3654,7 +3659,7 @@
           <a:p>
             <a:fld id="{6587DA83-5663-4C9C-B9AA-0B40A3DAFF81}" type="datetime1">
               <a:rPr lang="en-US" smtClean="0"/>
-              <a:t>8/18/2020</a:t>
+              <a:t>8/19/2020</a:t>
             </a:fld>
             <a:endParaRPr lang="en-US" dirty="0"/>
           </a:p>
@@ -3842,7 +3847,7 @@
           <a:p>
             <a:fld id="{4BE1D723-8F53-4F53-90B0-1982A396982E}" type="datetime1">
               <a:rPr lang="en-US" smtClean="0"/>
-              <a:t>8/18/2020</a:t>
+              <a:t>8/19/2020</a:t>
             </a:fld>
             <a:endParaRPr lang="en-US" dirty="0"/>
           </a:p>
@@ -4215,7 +4220,7 @@
           <a:p>
             <a:fld id="{97669AF7-7BEB-44E4-9852-375E34362B5B}" type="datetime1">
               <a:rPr lang="en-US" smtClean="0"/>
-              <a:t>8/18/2020</a:t>
+              <a:t>8/19/2020</a:t>
             </a:fld>
             <a:endParaRPr lang="en-US" dirty="0"/>
           </a:p>
@@ -4470,7 +4475,7 @@
           <a:p>
             <a:fld id="{BAAAC38D-0552-4C82-B593-E6124DFADBE2}" type="datetime1">
               <a:rPr lang="en-US" smtClean="0"/>
-              <a:t>8/18/2020</a:t>
+              <a:t>8/19/2020</a:t>
             </a:fld>
             <a:endParaRPr lang="en-US" dirty="0"/>
           </a:p>
@@ -4867,7 +4872,7 @@
           <a:p>
             <a:fld id="{D9DF0F1C-5577-4ACB-BB62-DF8F3C494C7E}" type="datetime1">
               <a:rPr lang="en-US" smtClean="0"/>
-              <a:t>8/18/2020</a:t>
+              <a:t>8/19/2020</a:t>
             </a:fld>
             <a:endParaRPr lang="en-US" dirty="0"/>
           </a:p>
@@ -5003,7 +5008,7 @@
           <a:p>
             <a:fld id="{1775B394-D9F9-4F0C-B15D-605F45CB9E9F}" type="datetime1">
               <a:rPr lang="en-US" smtClean="0"/>
-              <a:t>8/18/2020</a:t>
+              <a:t>8/19/2020</a:t>
             </a:fld>
             <a:endParaRPr lang="en-US" dirty="0"/>
           </a:p>
@@ -5160,7 +5165,7 @@
           <a:p>
             <a:fld id="{39667345-2558-425A-8533-9BFDBCE15005}" type="datetime1">
               <a:rPr lang="en-US" smtClean="0"/>
-              <a:t>8/18/2020</a:t>
+              <a:t>8/19/2020</a:t>
             </a:fld>
             <a:endParaRPr lang="en-US" dirty="0"/>
           </a:p>
@@ -5489,7 +5494,7 @@
           <a:p>
             <a:fld id="{92BEA474-078D-4E9B-9B14-09A87B19DC46}" type="datetime1">
               <a:rPr lang="en-US" smtClean="0"/>
-              <a:t>8/18/2020</a:t>
+              <a:t>8/19/2020</a:t>
             </a:fld>
             <a:endParaRPr lang="en-US" dirty="0"/>
           </a:p>
@@ -5839,7 +5844,7 @@
           <a:p>
             <a:fld id="{4907D986-8816-4272-A432-0437A28A9828}" type="datetime1">
               <a:rPr lang="en-US" smtClean="0"/>
-              <a:t>8/18/2020</a:t>
+              <a:t>8/19/2020</a:t>
             </a:fld>
             <a:endParaRPr lang="en-US" dirty="0"/>
           </a:p>
@@ -6100,7 +6105,7 @@
           <a:p>
             <a:fld id="{62D6E202-B606-4609-B914-27C9371A1F6D}" type="datetime1">
               <a:rPr lang="en-US" smtClean="0"/>
-              <a:t>8/18/2020</a:t>
+              <a:t>8/19/2020</a:t>
             </a:fld>
             <a:endParaRPr lang="en-US" dirty="0"/>
           </a:p>
@@ -8391,8 +8396,13 @@
             </a:pPr>
             <a:r>
               <a:rPr lang="en-CA" dirty="0"/>
-              <a:t>- Live project at: EDIT LATER</a:t>
-            </a:r>
+              <a:t>- Live project at</a:t>
+            </a:r>
+            <a:r>
+              <a:rPr lang="en-CA"/>
+              <a:t>: https://music-listing.netlify.app</a:t>
+            </a:r>
+            <a:endParaRPr lang="en-CA" dirty="0"/>
           </a:p>
         </p:txBody>
       </p:sp>
